--- a/Eager/paper/thesis-proposal/coffee_hour_talk.pptx
+++ b/Eager/paper/thesis-proposal/coffee_hour_talk.pptx
@@ -203,7 +203,7 @@
           <a:p>
             <a:fld id="{14393EE2-0AF0-C049-B204-745779359EBC}" type="datetimeFigureOut">
               <a:rPr lang="en-US" smtClean="0"/>
-              <a:t>5/1/16</a:t>
+              <a:t>5/2/16</a:t>
             </a:fld>
             <a:endParaRPr lang="en-US"/>
           </a:p>
@@ -369,7 +369,7 @@
           <a:p>
             <a:fld id="{3F88149A-B522-5047-947D-FC1A7AD06D32}" type="datetimeFigureOut">
               <a:rPr lang="en-US" smtClean="0"/>
-              <a:t>5/1/16</a:t>
+              <a:t>5/2/16</a:t>
             </a:fld>
             <a:endParaRPr lang="en-US"/>
           </a:p>
@@ -907,7 +907,7 @@
           <a:p>
             <a:fld id="{7BC605F0-C475-A542-83CF-3F3651894095}" type="datetime1">
               <a:rPr lang="en-US" smtClean="0"/>
-              <a:t>5/1/16</a:t>
+              <a:t>5/2/16</a:t>
             </a:fld>
             <a:endParaRPr lang="en-US"/>
           </a:p>
@@ -1077,7 +1077,7 @@
           <a:p>
             <a:fld id="{582E9A9A-3D51-D343-9E36-A5B14D217E78}" type="datetime1">
               <a:rPr lang="en-US" smtClean="0"/>
-              <a:t>5/1/16</a:t>
+              <a:t>5/2/16</a:t>
             </a:fld>
             <a:endParaRPr lang="en-US"/>
           </a:p>
@@ -1257,7 +1257,7 @@
           <a:p>
             <a:fld id="{40C9A437-AB96-044F-8A20-537BAAA6526B}" type="datetime1">
               <a:rPr lang="en-US" smtClean="0"/>
-              <a:t>5/1/16</a:t>
+              <a:t>5/2/16</a:t>
             </a:fld>
             <a:endParaRPr lang="en-US"/>
           </a:p>
@@ -1427,7 +1427,7 @@
           <a:p>
             <a:fld id="{59AB1AE5-FC83-A640-B237-A811D30CD18D}" type="datetime1">
               <a:rPr lang="en-US" smtClean="0"/>
-              <a:t>5/1/16</a:t>
+              <a:t>5/2/16</a:t>
             </a:fld>
             <a:endParaRPr lang="en-US"/>
           </a:p>
@@ -1673,7 +1673,7 @@
           <a:p>
             <a:fld id="{60D7464E-8867-9842-85F9-FBA519D2660D}" type="datetime1">
               <a:rPr lang="en-US" smtClean="0"/>
-              <a:t>5/1/16</a:t>
+              <a:t>5/2/16</a:t>
             </a:fld>
             <a:endParaRPr lang="en-US"/>
           </a:p>
@@ -1961,7 +1961,7 @@
           <a:p>
             <a:fld id="{6618F166-4706-7441-AD52-3752BB1FA54C}" type="datetime1">
               <a:rPr lang="en-US" smtClean="0"/>
-              <a:t>5/1/16</a:t>
+              <a:t>5/2/16</a:t>
             </a:fld>
             <a:endParaRPr lang="en-US"/>
           </a:p>
@@ -2383,7 +2383,7 @@
           <a:p>
             <a:fld id="{B2A79F48-3E15-D641-985C-B9946B1DC920}" type="datetime1">
               <a:rPr lang="en-US" smtClean="0"/>
-              <a:t>5/1/16</a:t>
+              <a:t>5/2/16</a:t>
             </a:fld>
             <a:endParaRPr lang="en-US"/>
           </a:p>
@@ -2501,7 +2501,7 @@
           <a:p>
             <a:fld id="{108D269F-0179-9348-8B3E-6839520A7F94}" type="datetime1">
               <a:rPr lang="en-US" smtClean="0"/>
-              <a:t>5/1/16</a:t>
+              <a:t>5/2/16</a:t>
             </a:fld>
             <a:endParaRPr lang="en-US"/>
           </a:p>
@@ -2596,7 +2596,7 @@
           <a:p>
             <a:fld id="{2D62782F-6AB7-F44D-B700-3B7B425A16AE}" type="datetime1">
               <a:rPr lang="en-US" smtClean="0"/>
-              <a:t>5/1/16</a:t>
+              <a:t>5/2/16</a:t>
             </a:fld>
             <a:endParaRPr lang="en-US"/>
           </a:p>
@@ -2873,7 +2873,7 @@
           <a:p>
             <a:fld id="{F610D521-4436-C547-A345-74237E20F4CE}" type="datetime1">
               <a:rPr lang="en-US" smtClean="0"/>
-              <a:t>5/1/16</a:t>
+              <a:t>5/2/16</a:t>
             </a:fld>
             <a:endParaRPr lang="en-US"/>
           </a:p>
@@ -3126,7 +3126,7 @@
           <a:p>
             <a:fld id="{16D84BE8-9CE2-4540-8E67-9544C0C936E1}" type="datetime1">
               <a:rPr lang="en-US" smtClean="0"/>
-              <a:t>5/1/16</a:t>
+              <a:t>5/2/16</a:t>
             </a:fld>
             <a:endParaRPr lang="en-US"/>
           </a:p>
@@ -3339,7 +3339,7 @@
           <a:p>
             <a:fld id="{6B20B4B0-8549-1D44-BD11-9CDBF6ED9715}" type="datetime1">
               <a:rPr lang="en-US" smtClean="0"/>
-              <a:t>5/1/16</a:t>
+              <a:t>5/2/16</a:t>
             </a:fld>
             <a:endParaRPr lang="en-US"/>
           </a:p>
@@ -5058,9 +5058,160 @@
   <p:timing>
     <p:tnLst>
       <p:par>
-        <p:cTn xmlns:p14="http://schemas.microsoft.com/office/powerpoint/2010/main" id="1" dur="indefinite" restart="never" nodeType="tmRoot"/>
+        <p:cTn xmlns:p14="http://schemas.microsoft.com/office/powerpoint/2010/main" id="1" dur="indefinite" restart="never" nodeType="tmRoot">
+          <p:childTnLst>
+            <p:seq concurrent="1" nextAc="seek">
+              <p:cTn id="2" dur="indefinite" nodeType="mainSeq">
+                <p:childTnLst>
+                  <p:par>
+                    <p:cTn id="3" fill="hold">
+                      <p:stCondLst>
+                        <p:cond delay="indefinite"/>
+                      </p:stCondLst>
+                      <p:childTnLst>
+                        <p:par>
+                          <p:cTn id="4" fill="hold">
+                            <p:stCondLst>
+                              <p:cond delay="0"/>
+                            </p:stCondLst>
+                            <p:childTnLst>
+                              <p:par>
+                                <p:cTn id="5" presetID="3" presetClass="entr" presetSubtype="10" fill="hold" grpId="0" nodeType="clickEffect">
+                                  <p:stCondLst>
+                                    <p:cond delay="0"/>
+                                  </p:stCondLst>
+                                  <p:childTnLst>
+                                    <p:set>
+                                      <p:cBhvr>
+                                        <p:cTn id="6" dur="1" fill="hold">
+                                          <p:stCondLst>
+                                            <p:cond delay="0"/>
+                                          </p:stCondLst>
+                                        </p:cTn>
+                                        <p:tgtEl>
+                                          <p:spTgt spid="8"/>
+                                        </p:tgtEl>
+                                        <p:attrNameLst>
+                                          <p:attrName>style.visibility</p:attrName>
+                                        </p:attrNameLst>
+                                      </p:cBhvr>
+                                      <p:to>
+                                        <p:strVal val="visible"/>
+                                      </p:to>
+                                    </p:set>
+                                    <p:animEffect transition="in" filter="blinds(horizontal)">
+                                      <p:cBhvr>
+                                        <p:cTn id="7" dur="500"/>
+                                        <p:tgtEl>
+                                          <p:spTgt spid="8"/>
+                                        </p:tgtEl>
+                                      </p:cBhvr>
+                                    </p:animEffect>
+                                  </p:childTnLst>
+                                </p:cTn>
+                              </p:par>
+                              <p:par>
+                                <p:cTn id="8" presetID="3" presetClass="entr" presetSubtype="10" fill="hold" grpId="0" nodeType="withEffect">
+                                  <p:stCondLst>
+                                    <p:cond delay="0"/>
+                                  </p:stCondLst>
+                                  <p:childTnLst>
+                                    <p:set>
+                                      <p:cBhvr>
+                                        <p:cTn id="9" dur="1" fill="hold">
+                                          <p:stCondLst>
+                                            <p:cond delay="0"/>
+                                          </p:stCondLst>
+                                        </p:cTn>
+                                        <p:tgtEl>
+                                          <p:spTgt spid="6"/>
+                                        </p:tgtEl>
+                                        <p:attrNameLst>
+                                          <p:attrName>style.visibility</p:attrName>
+                                        </p:attrNameLst>
+                                      </p:cBhvr>
+                                      <p:to>
+                                        <p:strVal val="visible"/>
+                                      </p:to>
+                                    </p:set>
+                                    <p:animEffect transition="in" filter="blinds(horizontal)">
+                                      <p:cBhvr>
+                                        <p:cTn id="10" dur="500"/>
+                                        <p:tgtEl>
+                                          <p:spTgt spid="6"/>
+                                        </p:tgtEl>
+                                      </p:cBhvr>
+                                    </p:animEffect>
+                                  </p:childTnLst>
+                                </p:cTn>
+                              </p:par>
+                              <p:par>
+                                <p:cTn id="11" presetID="3" presetClass="entr" presetSubtype="10" fill="hold" grpId="0" nodeType="withEffect">
+                                  <p:stCondLst>
+                                    <p:cond delay="0"/>
+                                  </p:stCondLst>
+                                  <p:childTnLst>
+                                    <p:set>
+                                      <p:cBhvr>
+                                        <p:cTn id="12" dur="1" fill="hold">
+                                          <p:stCondLst>
+                                            <p:cond delay="0"/>
+                                          </p:stCondLst>
+                                        </p:cTn>
+                                        <p:tgtEl>
+                                          <p:spTgt spid="5"/>
+                                        </p:tgtEl>
+                                        <p:attrNameLst>
+                                          <p:attrName>style.visibility</p:attrName>
+                                        </p:attrNameLst>
+                                      </p:cBhvr>
+                                      <p:to>
+                                        <p:strVal val="visible"/>
+                                      </p:to>
+                                    </p:set>
+                                    <p:animEffect transition="in" filter="blinds(horizontal)">
+                                      <p:cBhvr>
+                                        <p:cTn id="13" dur="500"/>
+                                        <p:tgtEl>
+                                          <p:spTgt spid="5"/>
+                                        </p:tgtEl>
+                                      </p:cBhvr>
+                                    </p:animEffect>
+                                  </p:childTnLst>
+                                </p:cTn>
+                              </p:par>
+                            </p:childTnLst>
+                          </p:cTn>
+                        </p:par>
+                      </p:childTnLst>
+                    </p:cTn>
+                  </p:par>
+                </p:childTnLst>
+              </p:cTn>
+              <p:prevCondLst>
+                <p:cond evt="onPrev" delay="0">
+                  <p:tgtEl>
+                    <p:sldTgt/>
+                  </p:tgtEl>
+                </p:cond>
+              </p:prevCondLst>
+              <p:nextCondLst>
+                <p:cond evt="onNext" delay="0">
+                  <p:tgtEl>
+                    <p:sldTgt/>
+                  </p:tgtEl>
+                </p:cond>
+              </p:nextCondLst>
+            </p:seq>
+          </p:childTnLst>
+        </p:cTn>
       </p:par>
     </p:tnLst>
+    <p:bldLst>
+      <p:bldP spid="5" grpId="0" animBg="1"/>
+      <p:bldP spid="6" grpId="0" animBg="1"/>
+      <p:bldP spid="8" grpId="0"/>
+    </p:bldLst>
   </p:timing>
 </p:sld>
 </file>
@@ -5128,17 +5279,12 @@
             </a:r>
           </a:p>
           <a:p>
-            <a:r>
-              <a:rPr lang="en-US" dirty="0" smtClean="0"/>
-              <a:t>3-tier approach</a:t>
-            </a:r>
-          </a:p>
-          <a:p>
             <a:pPr lvl="1"/>
             <a:r>
               <a:rPr lang="en-US" dirty="0" smtClean="0"/>
               <a:t>Specification</a:t>
             </a:r>
+            <a:endParaRPr lang="en-US" dirty="0" smtClean="0"/>
           </a:p>
           <a:p>
             <a:pPr lvl="1"/>
@@ -5198,7 +5344,177 @@
   <p:timing>
     <p:tnLst>
       <p:par>
-        <p:cTn xmlns:p14="http://schemas.microsoft.com/office/powerpoint/2010/main" id="1" dur="indefinite" restart="never" nodeType="tmRoot"/>
+        <p:cTn xmlns:p14="http://schemas.microsoft.com/office/powerpoint/2010/main" id="1" dur="indefinite" restart="never" nodeType="tmRoot">
+          <p:childTnLst>
+            <p:seq concurrent="1" nextAc="seek">
+              <p:cTn id="2" dur="indefinite" nodeType="mainSeq">
+                <p:childTnLst>
+                  <p:par>
+                    <p:cTn id="3" fill="hold">
+                      <p:stCondLst>
+                        <p:cond delay="indefinite"/>
+                      </p:stCondLst>
+                      <p:childTnLst>
+                        <p:par>
+                          <p:cTn id="4" fill="hold">
+                            <p:stCondLst>
+                              <p:cond delay="0"/>
+                            </p:stCondLst>
+                            <p:childTnLst>
+                              <p:par>
+                                <p:cTn id="5" presetID="3" presetClass="entr" presetSubtype="10" fill="hold" nodeType="clickEffect">
+                                  <p:stCondLst>
+                                    <p:cond delay="0"/>
+                                  </p:stCondLst>
+                                  <p:childTnLst>
+                                    <p:set>
+                                      <p:cBhvr>
+                                        <p:cTn id="6" dur="1" fill="hold">
+                                          <p:stCondLst>
+                                            <p:cond delay="0"/>
+                                          </p:stCondLst>
+                                        </p:cTn>
+                                        <p:tgtEl>
+                                          <p:spTgt spid="3">
+                                            <p:txEl>
+                                              <p:pRg st="1" end="1"/>
+                                            </p:txEl>
+                                          </p:spTgt>
+                                        </p:tgtEl>
+                                        <p:attrNameLst>
+                                          <p:attrName>style.visibility</p:attrName>
+                                        </p:attrNameLst>
+                                      </p:cBhvr>
+                                      <p:to>
+                                        <p:strVal val="visible"/>
+                                      </p:to>
+                                    </p:set>
+                                    <p:animEffect transition="in" filter="blinds(horizontal)">
+                                      <p:cBhvr>
+                                        <p:cTn id="7" dur="500"/>
+                                        <p:tgtEl>
+                                          <p:spTgt spid="3">
+                                            <p:txEl>
+                                              <p:pRg st="1" end="1"/>
+                                            </p:txEl>
+                                          </p:spTgt>
+                                        </p:tgtEl>
+                                      </p:cBhvr>
+                                    </p:animEffect>
+                                  </p:childTnLst>
+                                </p:cTn>
+                              </p:par>
+                              <p:par>
+                                <p:cTn id="8" presetID="3" presetClass="entr" presetSubtype="10" fill="hold" nodeType="withEffect">
+                                  <p:stCondLst>
+                                    <p:cond delay="0"/>
+                                  </p:stCondLst>
+                                  <p:childTnLst>
+                                    <p:set>
+                                      <p:cBhvr>
+                                        <p:cTn id="9" dur="1" fill="hold">
+                                          <p:stCondLst>
+                                            <p:cond delay="0"/>
+                                          </p:stCondLst>
+                                        </p:cTn>
+                                        <p:tgtEl>
+                                          <p:spTgt spid="3">
+                                            <p:txEl>
+                                              <p:pRg st="2" end="2"/>
+                                            </p:txEl>
+                                          </p:spTgt>
+                                        </p:tgtEl>
+                                        <p:attrNameLst>
+                                          <p:attrName>style.visibility</p:attrName>
+                                        </p:attrNameLst>
+                                      </p:cBhvr>
+                                      <p:to>
+                                        <p:strVal val="visible"/>
+                                      </p:to>
+                                    </p:set>
+                                    <p:animEffect transition="in" filter="blinds(horizontal)">
+                                      <p:cBhvr>
+                                        <p:cTn id="10" dur="500"/>
+                                        <p:tgtEl>
+                                          <p:spTgt spid="3">
+                                            <p:txEl>
+                                              <p:pRg st="2" end="2"/>
+                                            </p:txEl>
+                                          </p:spTgt>
+                                        </p:tgtEl>
+                                      </p:cBhvr>
+                                    </p:animEffect>
+                                  </p:childTnLst>
+                                </p:cTn>
+                              </p:par>
+                              <p:par>
+                                <p:cTn id="11" presetID="3" presetClass="entr" presetSubtype="10" fill="hold" nodeType="withEffect">
+                                  <p:stCondLst>
+                                    <p:cond delay="0"/>
+                                  </p:stCondLst>
+                                  <p:childTnLst>
+                                    <p:set>
+                                      <p:cBhvr>
+                                        <p:cTn id="12" dur="1" fill="hold">
+                                          <p:stCondLst>
+                                            <p:cond delay="0"/>
+                                          </p:stCondLst>
+                                        </p:cTn>
+                                        <p:tgtEl>
+                                          <p:spTgt spid="3">
+                                            <p:txEl>
+                                              <p:pRg st="3" end="3"/>
+                                            </p:txEl>
+                                          </p:spTgt>
+                                        </p:tgtEl>
+                                        <p:attrNameLst>
+                                          <p:attrName>style.visibility</p:attrName>
+                                        </p:attrNameLst>
+                                      </p:cBhvr>
+                                      <p:to>
+                                        <p:strVal val="visible"/>
+                                      </p:to>
+                                    </p:set>
+                                    <p:animEffect transition="in" filter="blinds(horizontal)">
+                                      <p:cBhvr>
+                                        <p:cTn id="13" dur="500"/>
+                                        <p:tgtEl>
+                                          <p:spTgt spid="3">
+                                            <p:txEl>
+                                              <p:pRg st="3" end="3"/>
+                                            </p:txEl>
+                                          </p:spTgt>
+                                        </p:tgtEl>
+                                      </p:cBhvr>
+                                    </p:animEffect>
+                                  </p:childTnLst>
+                                </p:cTn>
+                              </p:par>
+                            </p:childTnLst>
+                          </p:cTn>
+                        </p:par>
+                      </p:childTnLst>
+                    </p:cTn>
+                  </p:par>
+                </p:childTnLst>
+              </p:cTn>
+              <p:prevCondLst>
+                <p:cond evt="onPrev" delay="0">
+                  <p:tgtEl>
+                    <p:sldTgt/>
+                  </p:tgtEl>
+                </p:cond>
+              </p:prevCondLst>
+              <p:nextCondLst>
+                <p:cond evt="onNext" delay="0">
+                  <p:tgtEl>
+                    <p:sldTgt/>
+                  </p:tgtEl>
+                </p:cond>
+              </p:nextCondLst>
+            </p:seq>
+          </p:childTnLst>
+        </p:cTn>
       </p:par>
     </p:tnLst>
   </p:timing>
@@ -6905,7 +7221,11 @@
           <a:p>
             <a:r>
               <a:rPr lang="en-US" dirty="0" smtClean="0"/>
-              <a:t>Root: Detection and diagnostics</a:t>
+              <a:t>Roots: </a:t>
+            </a:r>
+            <a:r>
+              <a:rPr lang="en-US" dirty="0" smtClean="0"/>
+              <a:t>Detection and diagnostics</a:t>
             </a:r>
             <a:endParaRPr lang="en-US" dirty="0"/>
           </a:p>
